--- a/public/templates/template.pptx
+++ b/public/templates/template.pptx
@@ -262,7 +262,7 @@
           <a:p>
             <a:fld id="{8C90509D-92FA-4939-A039-A3479FC21D0B}" type="datetimeFigureOut">
               <a:rPr lang="de-DE" smtClean="0"/>
-              <a:t>30.12.2024</a:t>
+              <a:t>15.01.2025</a:t>
             </a:fld>
             <a:endParaRPr lang="de-DE"/>
           </a:p>
@@ -460,7 +460,7 @@
           <a:p>
             <a:fld id="{8C90509D-92FA-4939-A039-A3479FC21D0B}" type="datetimeFigureOut">
               <a:rPr lang="de-DE" smtClean="0"/>
-              <a:t>30.12.2024</a:t>
+              <a:t>15.01.2025</a:t>
             </a:fld>
             <a:endParaRPr lang="de-DE"/>
           </a:p>
@@ -668,7 +668,7 @@
           <a:p>
             <a:fld id="{8C90509D-92FA-4939-A039-A3479FC21D0B}" type="datetimeFigureOut">
               <a:rPr lang="de-DE" smtClean="0"/>
-              <a:t>30.12.2024</a:t>
+              <a:t>15.01.2025</a:t>
             </a:fld>
             <a:endParaRPr lang="de-DE"/>
           </a:p>
@@ -866,7 +866,7 @@
           <a:p>
             <a:fld id="{8C90509D-92FA-4939-A039-A3479FC21D0B}" type="datetimeFigureOut">
               <a:rPr lang="de-DE" smtClean="0"/>
-              <a:t>30.12.2024</a:t>
+              <a:t>15.01.2025</a:t>
             </a:fld>
             <a:endParaRPr lang="de-DE"/>
           </a:p>
@@ -1141,7 +1141,7 @@
           <a:p>
             <a:fld id="{8C90509D-92FA-4939-A039-A3479FC21D0B}" type="datetimeFigureOut">
               <a:rPr lang="de-DE" smtClean="0"/>
-              <a:t>30.12.2024</a:t>
+              <a:t>15.01.2025</a:t>
             </a:fld>
             <a:endParaRPr lang="de-DE"/>
           </a:p>
@@ -1406,7 +1406,7 @@
           <a:p>
             <a:fld id="{8C90509D-92FA-4939-A039-A3479FC21D0B}" type="datetimeFigureOut">
               <a:rPr lang="de-DE" smtClean="0"/>
-              <a:t>30.12.2024</a:t>
+              <a:t>15.01.2025</a:t>
             </a:fld>
             <a:endParaRPr lang="de-DE"/>
           </a:p>
@@ -1818,7 +1818,7 @@
           <a:p>
             <a:fld id="{8C90509D-92FA-4939-A039-A3479FC21D0B}" type="datetimeFigureOut">
               <a:rPr lang="de-DE" smtClean="0"/>
-              <a:t>30.12.2024</a:t>
+              <a:t>15.01.2025</a:t>
             </a:fld>
             <a:endParaRPr lang="de-DE"/>
           </a:p>
@@ -1959,7 +1959,7 @@
           <a:p>
             <a:fld id="{8C90509D-92FA-4939-A039-A3479FC21D0B}" type="datetimeFigureOut">
               <a:rPr lang="de-DE" smtClean="0"/>
-              <a:t>30.12.2024</a:t>
+              <a:t>15.01.2025</a:t>
             </a:fld>
             <a:endParaRPr lang="de-DE"/>
           </a:p>
@@ -2072,7 +2072,7 @@
           <a:p>
             <a:fld id="{8C90509D-92FA-4939-A039-A3479FC21D0B}" type="datetimeFigureOut">
               <a:rPr lang="de-DE" smtClean="0"/>
-              <a:t>30.12.2024</a:t>
+              <a:t>15.01.2025</a:t>
             </a:fld>
             <a:endParaRPr lang="de-DE"/>
           </a:p>
@@ -2383,7 +2383,7 @@
           <a:p>
             <a:fld id="{8C90509D-92FA-4939-A039-A3479FC21D0B}" type="datetimeFigureOut">
               <a:rPr lang="de-DE" smtClean="0"/>
-              <a:t>30.12.2024</a:t>
+              <a:t>15.01.2025</a:t>
             </a:fld>
             <a:endParaRPr lang="de-DE"/>
           </a:p>
@@ -2671,7 +2671,7 @@
           <a:p>
             <a:fld id="{8C90509D-92FA-4939-A039-A3479FC21D0B}" type="datetimeFigureOut">
               <a:rPr lang="de-DE" smtClean="0"/>
-              <a:t>30.12.2024</a:t>
+              <a:t>15.01.2025</a:t>
             </a:fld>
             <a:endParaRPr lang="de-DE"/>
           </a:p>
@@ -2912,7 +2912,7 @@
           <a:p>
             <a:fld id="{8C90509D-92FA-4939-A039-A3479FC21D0B}" type="datetimeFigureOut">
               <a:rPr lang="de-DE" smtClean="0"/>
-              <a:t>30.12.2024</a:t>
+              <a:t>15.01.2025</a:t>
             </a:fld>
             <a:endParaRPr lang="de-DE"/>
           </a:p>
@@ -6913,6 +6913,7 @@
                 <a:alpha val="65000"/>
               </a:srgbClr>
             </a:outerShdw>
+            <a:softEdge rad="38100"/>
           </a:effectLst>
         </p:spPr>
       </p:pic>

--- a/public/templates/template.pptx
+++ b/public/templates/template.pptx
@@ -6754,8 +6754,8 @@
         </p:nvSpPr>
         <p:spPr bwMode="auto">
           <a:xfrm>
-            <a:off x="5643563" y="5717321"/>
-            <a:ext cx="904875" cy="799156"/>
+            <a:off x="5336138" y="5717321"/>
+            <a:ext cx="1519725" cy="799156"/>
           </a:xfrm>
           <a:prstGeom prst="rect">
             <a:avLst/>
